--- a/presentation/presentation.pptx
+++ b/presentation/presentation.pptx
@@ -118,6 +118,11 @@
       </a:defRPr>
     </a:lvl9pPr>
   </p:defaultTextStyle>
+  <p:extLst>
+    <p:ext uri="{EFAFB233-063F-42B5-8137-9DF3F51BA10A}">
+      <p15:sldGuideLst xmlns:p15="http://schemas.microsoft.com/office/powerpoint/2012/main"/>
+    </p:ext>
+  </p:extLst>
 </p:presentation>
 </file>
 
@@ -6059,31 +6064,77 @@
           </a:p>
         </p:txBody>
       </p:sp>
-      <p:sp>
-        <p:nvSpPr>
-          <p:cNvPr id="3" name="Content Placeholder 2">
+      <p:pic>
+        <p:nvPicPr>
+          <p:cNvPr id="5" name="Content Placeholder 4">
             <a:extLst>
               <a:ext uri="{FF2B5EF4-FFF2-40B4-BE49-F238E27FC236}">
-                <a16:creationId xmlns:a16="http://schemas.microsoft.com/office/drawing/2014/main" id="{85CD4449-6F9F-435F-8429-C8ED7389DE76}"/>
+                <a16:creationId xmlns:a16="http://schemas.microsoft.com/office/drawing/2014/main" id="{1CD01ED9-016D-4B07-BD6E-C7DF6677F0C2}"/>
               </a:ext>
             </a:extLst>
           </p:cNvPr>
-          <p:cNvSpPr>
-            <a:spLocks noGrp="1"/>
-          </p:cNvSpPr>
+          <p:cNvPicPr>
+            <a:picLocks noGrp="1" noChangeAspect="1"/>
+          </p:cNvPicPr>
           <p:nvPr>
             <p:ph idx="1"/>
           </p:nvPr>
-        </p:nvSpPr>
-        <p:spPr/>
-        <p:txBody>
-          <a:bodyPr/>
-          <a:lstStyle/>
-          <a:p>
-            <a:endParaRPr lang="en-US"/>
-          </a:p>
-        </p:txBody>
-      </p:sp>
+        </p:nvPicPr>
+        <p:blipFill>
+          <a:blip r:embed="rId2">
+            <a:extLst>
+              <a:ext uri="{28A0092B-C50C-407E-A947-70E740481C1C}">
+                <a14:useLocalDpi xmlns:a14="http://schemas.microsoft.com/office/drawing/2010/main" val="0"/>
+              </a:ext>
+            </a:extLst>
+          </a:blip>
+          <a:stretch>
+            <a:fillRect/>
+          </a:stretch>
+        </p:blipFill>
+        <p:spPr>
+          <a:xfrm>
+            <a:off x="5129728" y="2528400"/>
+            <a:ext cx="3814940" cy="2989262"/>
+          </a:xfrm>
+        </p:spPr>
+      </p:pic>
+      <p:pic>
+        <p:nvPicPr>
+          <p:cNvPr id="7" name="Picture 6">
+            <a:extLst>
+              <a:ext uri="{FF2B5EF4-FFF2-40B4-BE49-F238E27FC236}">
+                <a16:creationId xmlns:a16="http://schemas.microsoft.com/office/drawing/2014/main" id="{51729A8D-8446-4C03-826E-AA978430DDB9}"/>
+              </a:ext>
+            </a:extLst>
+          </p:cNvPr>
+          <p:cNvPicPr>
+            <a:picLocks noChangeAspect="1"/>
+          </p:cNvPicPr>
+          <p:nvPr/>
+        </p:nvPicPr>
+        <p:blipFill>
+          <a:blip r:embed="rId3">
+            <a:extLst>
+              <a:ext uri="{28A0092B-C50C-407E-A947-70E740481C1C}">
+                <a14:useLocalDpi xmlns:a14="http://schemas.microsoft.com/office/drawing/2010/main" val="0"/>
+              </a:ext>
+            </a:extLst>
+          </a:blip>
+          <a:stretch>
+            <a:fillRect/>
+          </a:stretch>
+        </p:blipFill>
+        <p:spPr>
+          <a:xfrm>
+            <a:off x="565544" y="444679"/>
+            <a:ext cx="6943481" cy="1957437"/>
+          </a:xfrm>
+          <a:prstGeom prst="rect">
+            <a:avLst/>
+          </a:prstGeom>
+        </p:spPr>
+      </p:pic>
     </p:spTree>
     <p:extLst>
       <p:ext uri="{BB962C8B-B14F-4D97-AF65-F5344CB8AC3E}">
@@ -6142,31 +6193,77 @@
           </a:p>
         </p:txBody>
       </p:sp>
-      <p:sp>
-        <p:nvSpPr>
-          <p:cNvPr id="3" name="Content Placeholder 2">
+      <p:pic>
+        <p:nvPicPr>
+          <p:cNvPr id="5" name="Content Placeholder 4">
             <a:extLst>
               <a:ext uri="{FF2B5EF4-FFF2-40B4-BE49-F238E27FC236}">
-                <a16:creationId xmlns:a16="http://schemas.microsoft.com/office/drawing/2014/main" id="{1DC0A7F8-4A32-40F6-9785-40287EAD28B6}"/>
+                <a16:creationId xmlns:a16="http://schemas.microsoft.com/office/drawing/2014/main" id="{DBDD76C4-E7AC-46DC-A538-7B0AB0064249}"/>
               </a:ext>
             </a:extLst>
           </p:cNvPr>
-          <p:cNvSpPr>
-            <a:spLocks noGrp="1"/>
-          </p:cNvSpPr>
+          <p:cNvPicPr>
+            <a:picLocks noGrp="1" noChangeAspect="1"/>
+          </p:cNvPicPr>
           <p:nvPr>
             <p:ph idx="1"/>
           </p:nvPr>
-        </p:nvSpPr>
-        <p:spPr/>
-        <p:txBody>
-          <a:bodyPr/>
-          <a:lstStyle/>
-          <a:p>
-            <a:endParaRPr lang="en-US"/>
-          </a:p>
-        </p:txBody>
-      </p:sp>
+        </p:nvPicPr>
+        <p:blipFill>
+          <a:blip r:embed="rId2">
+            <a:extLst>
+              <a:ext uri="{28A0092B-C50C-407E-A947-70E740481C1C}">
+                <a14:useLocalDpi xmlns:a14="http://schemas.microsoft.com/office/drawing/2010/main" val="0"/>
+              </a:ext>
+            </a:extLst>
+          </a:blip>
+          <a:stretch>
+            <a:fillRect/>
+          </a:stretch>
+        </p:blipFill>
+        <p:spPr>
+          <a:xfrm>
+            <a:off x="565544" y="347843"/>
+            <a:ext cx="7054850" cy="2020281"/>
+          </a:xfrm>
+        </p:spPr>
+      </p:pic>
+      <p:pic>
+        <p:nvPicPr>
+          <p:cNvPr id="7" name="Picture 6">
+            <a:extLst>
+              <a:ext uri="{FF2B5EF4-FFF2-40B4-BE49-F238E27FC236}">
+                <a16:creationId xmlns:a16="http://schemas.microsoft.com/office/drawing/2014/main" id="{376255F3-4E02-44BA-B8F9-600E6B6B9F2D}"/>
+              </a:ext>
+            </a:extLst>
+          </p:cNvPr>
+          <p:cNvPicPr>
+            <a:picLocks noChangeAspect="1"/>
+          </p:cNvPicPr>
+          <p:nvPr/>
+        </p:nvPicPr>
+        <p:blipFill>
+          <a:blip r:embed="rId3">
+            <a:extLst>
+              <a:ext uri="{28A0092B-C50C-407E-A947-70E740481C1C}">
+                <a14:useLocalDpi xmlns:a14="http://schemas.microsoft.com/office/drawing/2010/main" val="0"/>
+              </a:ext>
+            </a:extLst>
+          </a:blip>
+          <a:stretch>
+            <a:fillRect/>
+          </a:stretch>
+        </p:blipFill>
+        <p:spPr>
+          <a:xfrm>
+            <a:off x="4618892" y="2588327"/>
+            <a:ext cx="4944208" cy="2898867"/>
+          </a:xfrm>
+          <a:prstGeom prst="rect">
+            <a:avLst/>
+          </a:prstGeom>
+        </p:spPr>
+      </p:pic>
     </p:spTree>
     <p:extLst>
       <p:ext uri="{BB962C8B-B14F-4D97-AF65-F5344CB8AC3E}">
@@ -6246,7 +6343,72 @@
           <a:bodyPr/>
           <a:lstStyle/>
           <a:p>
-            <a:endParaRPr lang="en-US"/>
+            <a:r>
+              <a:rPr lang="en-US" dirty="0"/>
+              <a:t>Ribeiro, Marco Tulio, et al. “‘Why Should I Trust You?’: Explaining the Predictions of Any Classifier.” </a:t>
+            </a:r>
+            <a:r>
+              <a:rPr lang="en-US" i="1" dirty="0"/>
+              <a:t>ArXiv:1602.04938 [Cs, Stat]</a:t>
+            </a:r>
+            <a:r>
+              <a:rPr lang="en-US" dirty="0"/>
+              <a:t>, Aug. 2016. </a:t>
+            </a:r>
+            <a:r>
+              <a:rPr lang="en-US" i="1" dirty="0"/>
+              <a:t>arXiv.org</a:t>
+            </a:r>
+            <a:r>
+              <a:rPr lang="en-US" dirty="0"/>
+              <a:t>, </a:t>
+            </a:r>
+            <a:r>
+              <a:rPr lang="en-US" dirty="0">
+                <a:hlinkClick r:id="rId2"/>
+              </a:rPr>
+              <a:t>http://arxiv.org/abs/1602.04938</a:t>
+            </a:r>
+            <a:r>
+              <a:rPr lang="en-US" dirty="0"/>
+              <a:t>.</a:t>
+            </a:r>
+          </a:p>
+          <a:p>
+            <a:r>
+              <a:rPr lang="en-US" i="1" dirty="0" err="1"/>
+              <a:t>PyTorch</a:t>
+            </a:r>
+            <a:r>
+              <a:rPr lang="en-US" dirty="0"/>
+              <a:t>. https://www.pytorch.org. Accessed 10 May 2021.</a:t>
+            </a:r>
+          </a:p>
+          <a:p>
+            <a:r>
+              <a:rPr lang="en-US" dirty="0" err="1"/>
+              <a:t>Hochreiter</a:t>
+            </a:r>
+            <a:r>
+              <a:rPr lang="en-US" dirty="0"/>
+              <a:t>, Sepp, and Jürgen </a:t>
+            </a:r>
+            <a:r>
+              <a:rPr lang="en-US" dirty="0" err="1"/>
+              <a:t>Schmidhuber</a:t>
+            </a:r>
+            <a:r>
+              <a:rPr lang="en-US" dirty="0"/>
+              <a:t>. "Long short-term memory." </a:t>
+            </a:r>
+            <a:r>
+              <a:rPr lang="en-US" i="1" dirty="0"/>
+              <a:t>Neural computation</a:t>
+            </a:r>
+            <a:r>
+              <a:rPr lang="en-US" dirty="0"/>
+              <a:t> 9.8 (1997): 1735-1780.</a:t>
+            </a:r>
           </a:p>
         </p:txBody>
       </p:sp>
@@ -6940,7 +7102,7 @@
             <p:spPr/>
             <p:txBody>
               <a:bodyPr>
-                <a:normAutofit lnSpcReduction="10000"/>
+                <a:normAutofit fontScale="92500" lnSpcReduction="10000"/>
               </a:bodyPr>
               <a:lstStyle/>
               <a:p>
@@ -7560,7 +7722,7 @@
               <a:blipFill>
                 <a:blip r:embed="rId2"/>
                 <a:stretch>
-                  <a:fillRect l="-173" b="-1224"/>
+                  <a:fillRect/>
                 </a:stretch>
               </a:blipFill>
             </p:spPr>

--- a/presentation/presentation.pptx
+++ b/presentation/presentation.pptx
@@ -3965,7 +3965,7 @@
             <a:fld id="{B61BEF0D-F0BB-DE4B-95CE-6DB70DBA9567}" type="datetimeFigureOut">
               <a:rPr lang="en-US" smtClean="0"/>
               <a:pPr/>
-              <a:t>5/9/2021</a:t>
+              <a:t>5/10/2021</a:t>
             </a:fld>
             <a:endParaRPr lang="en-US" dirty="0"/>
           </a:p>
@@ -5639,7 +5639,7 @@
           <a:p>
             <a:r>
               <a:rPr lang="en-US" dirty="0"/>
-              <a:t>Matthew Carroll</a:t>
+              <a:t>Matthew Carroll – University of Missouri</a:t>
             </a:r>
           </a:p>
         </p:txBody>
@@ -5797,6 +5797,42 @@
           </a:p>
         </p:txBody>
       </p:sp>
+      <p:pic>
+        <p:nvPicPr>
+          <p:cNvPr id="5" name="Picture 4">
+            <a:extLst>
+              <a:ext uri="{FF2B5EF4-FFF2-40B4-BE49-F238E27FC236}">
+                <a16:creationId xmlns:a16="http://schemas.microsoft.com/office/drawing/2014/main" id="{930DE31F-91B3-4E9A-B360-701B3AF24A44}"/>
+              </a:ext>
+            </a:extLst>
+          </p:cNvPr>
+          <p:cNvPicPr>
+            <a:picLocks noChangeAspect="1"/>
+          </p:cNvPicPr>
+          <p:nvPr/>
+        </p:nvPicPr>
+        <p:blipFill>
+          <a:blip r:embed="rId2">
+            <a:extLst>
+              <a:ext uri="{28A0092B-C50C-407E-A947-70E740481C1C}">
+                <a14:useLocalDpi xmlns:a14="http://schemas.microsoft.com/office/drawing/2010/main" val="0"/>
+              </a:ext>
+            </a:extLst>
+          </a:blip>
+          <a:stretch>
+            <a:fillRect/>
+          </a:stretch>
+        </p:blipFill>
+        <p:spPr>
+          <a:xfrm>
+            <a:off x="3577346" y="1677413"/>
+            <a:ext cx="6408420" cy="899160"/>
+          </a:xfrm>
+          <a:prstGeom prst="rect">
+            <a:avLst/>
+          </a:prstGeom>
+        </p:spPr>
+      </p:pic>
     </p:spTree>
     <p:extLst>
       <p:ext uri="{BB962C8B-B14F-4D97-AF65-F5344CB8AC3E}">
@@ -5978,31 +6014,6 @@
               <a:rPr lang="en-US" dirty="0"/>
               <a:t>Results</a:t>
             </a:r>
-          </a:p>
-        </p:txBody>
-      </p:sp>
-      <p:sp>
-        <p:nvSpPr>
-          <p:cNvPr id="3" name="Text Placeholder 2">
-            <a:extLst>
-              <a:ext uri="{FF2B5EF4-FFF2-40B4-BE49-F238E27FC236}">
-                <a16:creationId xmlns:a16="http://schemas.microsoft.com/office/drawing/2014/main" id="{9D1164E0-D927-4D75-921C-0444F8B2ADDC}"/>
-              </a:ext>
-            </a:extLst>
-          </p:cNvPr>
-          <p:cNvSpPr>
-            <a:spLocks noGrp="1"/>
-          </p:cNvSpPr>
-          <p:nvPr>
-            <p:ph type="body" idx="1"/>
-          </p:nvPr>
-        </p:nvSpPr>
-        <p:spPr/>
-        <p:txBody>
-          <a:bodyPr/>
-          <a:lstStyle/>
-          <a:p>
-            <a:endParaRPr lang="en-US"/>
           </a:p>
         </p:txBody>
       </p:sp>
@@ -6410,6 +6421,12 @@
               <a:t> 9.8 (1997): 1735-1780.</a:t>
             </a:r>
           </a:p>
+          <a:p>
+            <a:r>
+              <a:rPr lang="en-US" dirty="0"/>
+              <a:t>https://www.kaggle.com/jsphyg/weather-dataset-rattle-package </a:t>
+            </a:r>
+          </a:p>
         </p:txBody>
       </p:sp>
     </p:spTree>
@@ -6470,31 +6487,6 @@
           </a:p>
         </p:txBody>
       </p:sp>
-      <p:sp>
-        <p:nvSpPr>
-          <p:cNvPr id="3" name="Text Placeholder 2">
-            <a:extLst>
-              <a:ext uri="{FF2B5EF4-FFF2-40B4-BE49-F238E27FC236}">
-                <a16:creationId xmlns:a16="http://schemas.microsoft.com/office/drawing/2014/main" id="{814681C2-FB7B-4B5A-A51D-213CBF63369D}"/>
-              </a:ext>
-            </a:extLst>
-          </p:cNvPr>
-          <p:cNvSpPr>
-            <a:spLocks noGrp="1"/>
-          </p:cNvSpPr>
-          <p:nvPr>
-            <p:ph type="body" idx="1"/>
-          </p:nvPr>
-        </p:nvSpPr>
-        <p:spPr/>
-        <p:txBody>
-          <a:bodyPr/>
-          <a:lstStyle/>
-          <a:p>
-            <a:endParaRPr lang="en-US"/>
-          </a:p>
-        </p:txBody>
-      </p:sp>
     </p:spTree>
     <p:extLst>
       <p:ext uri="{BB962C8B-B14F-4D97-AF65-F5344CB8AC3E}">
@@ -6658,6 +6650,42 @@
           </a:p>
         </p:txBody>
       </p:sp>
+      <p:pic>
+        <p:nvPicPr>
+          <p:cNvPr id="5" name="Picture 4">
+            <a:extLst>
+              <a:ext uri="{FF2B5EF4-FFF2-40B4-BE49-F238E27FC236}">
+                <a16:creationId xmlns:a16="http://schemas.microsoft.com/office/drawing/2014/main" id="{BB489762-E1CC-4820-835D-18F9CB270D81}"/>
+              </a:ext>
+            </a:extLst>
+          </p:cNvPr>
+          <p:cNvPicPr>
+            <a:picLocks noChangeAspect="1"/>
+          </p:cNvPicPr>
+          <p:nvPr/>
+        </p:nvPicPr>
+        <p:blipFill>
+          <a:blip r:embed="rId3">
+            <a:extLst>
+              <a:ext uri="{28A0092B-C50C-407E-A947-70E740481C1C}">
+                <a14:useLocalDpi xmlns:a14="http://schemas.microsoft.com/office/drawing/2010/main" val="0"/>
+              </a:ext>
+            </a:extLst>
+          </a:blip>
+          <a:stretch>
+            <a:fillRect/>
+          </a:stretch>
+        </p:blipFill>
+        <p:spPr>
+          <a:xfrm>
+            <a:off x="7003927" y="3709321"/>
+            <a:ext cx="2790825" cy="1638300"/>
+          </a:xfrm>
+          <a:prstGeom prst="rect">
+            <a:avLst/>
+          </a:prstGeom>
+        </p:spPr>
+      </p:pic>
     </p:spTree>
     <p:extLst>
       <p:ext uri="{BB962C8B-B14F-4D97-AF65-F5344CB8AC3E}">
@@ -6767,6 +6795,42 @@
           </a:p>
         </p:txBody>
       </p:sp>
+      <p:pic>
+        <p:nvPicPr>
+          <p:cNvPr id="5" name="Picture 4">
+            <a:extLst>
+              <a:ext uri="{FF2B5EF4-FFF2-40B4-BE49-F238E27FC236}">
+                <a16:creationId xmlns:a16="http://schemas.microsoft.com/office/drawing/2014/main" id="{9AC90388-8CE2-4730-B7BF-9F43512953D5}"/>
+              </a:ext>
+            </a:extLst>
+          </p:cNvPr>
+          <p:cNvPicPr>
+            <a:picLocks noChangeAspect="1"/>
+          </p:cNvPicPr>
+          <p:nvPr/>
+        </p:nvPicPr>
+        <p:blipFill>
+          <a:blip r:embed="rId2">
+            <a:extLst>
+              <a:ext uri="{28A0092B-C50C-407E-A947-70E740481C1C}">
+                <a14:useLocalDpi xmlns:a14="http://schemas.microsoft.com/office/drawing/2010/main" val="0"/>
+              </a:ext>
+            </a:extLst>
+          </a:blip>
+          <a:stretch>
+            <a:fillRect/>
+          </a:stretch>
+        </p:blipFill>
+        <p:spPr>
+          <a:xfrm>
+            <a:off x="5038725" y="2834481"/>
+            <a:ext cx="4859753" cy="2552485"/>
+          </a:xfrm>
+          <a:prstGeom prst="rect">
+            <a:avLst/>
+          </a:prstGeom>
+        </p:spPr>
+      </p:pic>
     </p:spTree>
     <p:extLst>
       <p:ext uri="{BB962C8B-B14F-4D97-AF65-F5344CB8AC3E}">
@@ -6841,7 +6905,12 @@
             <p:ph idx="1"/>
           </p:nvPr>
         </p:nvSpPr>
-        <p:spPr/>
+        <p:spPr>
+          <a:xfrm>
+            <a:off x="565544" y="332436"/>
+            <a:ext cx="8156425" cy="2988454"/>
+          </a:xfrm>
+        </p:spPr>
         <p:txBody>
           <a:bodyPr/>
           <a:lstStyle/>
@@ -6882,6 +6951,42 @@
           </a:p>
         </p:txBody>
       </p:sp>
+      <p:pic>
+        <p:nvPicPr>
+          <p:cNvPr id="7" name="Picture 6">
+            <a:extLst>
+              <a:ext uri="{FF2B5EF4-FFF2-40B4-BE49-F238E27FC236}">
+                <a16:creationId xmlns:a16="http://schemas.microsoft.com/office/drawing/2014/main" id="{7939FF0C-A27E-40C3-98E1-C31822F3C9A3}"/>
+              </a:ext>
+            </a:extLst>
+          </p:cNvPr>
+          <p:cNvPicPr>
+            <a:picLocks noChangeAspect="1"/>
+          </p:cNvPicPr>
+          <p:nvPr/>
+        </p:nvPicPr>
+        <p:blipFill>
+          <a:blip r:embed="rId2">
+            <a:extLst>
+              <a:ext uri="{28A0092B-C50C-407E-A947-70E740481C1C}">
+                <a14:useLocalDpi xmlns:a14="http://schemas.microsoft.com/office/drawing/2010/main" val="0"/>
+              </a:ext>
+            </a:extLst>
+          </a:blip>
+          <a:stretch>
+            <a:fillRect/>
+          </a:stretch>
+        </p:blipFill>
+        <p:spPr>
+          <a:xfrm>
+            <a:off x="4962769" y="2791781"/>
+            <a:ext cx="4774956" cy="2684300"/>
+          </a:xfrm>
+          <a:prstGeom prst="rect">
+            <a:avLst/>
+          </a:prstGeom>
+        </p:spPr>
+      </p:pic>
     </p:spTree>
     <p:extLst>
       <p:ext uri="{BB962C8B-B14F-4D97-AF65-F5344CB8AC3E}">
@@ -7081,8 +7186,8 @@
           </a:p>
         </p:txBody>
       </p:sp>
-      <mc:AlternateContent xmlns:mc="http://schemas.openxmlformats.org/markup-compatibility/2006">
-        <mc:Choice xmlns:a14="http://schemas.microsoft.com/office/drawing/2010/main" Requires="a14">
+      <mc:AlternateContent xmlns:mc="http://schemas.openxmlformats.org/markup-compatibility/2006" xmlns:a14="http://schemas.microsoft.com/office/drawing/2010/main">
+        <mc:Choice Requires="a14">
           <p:sp>
             <p:nvSpPr>
               <p:cNvPr id="5" name="Content Placeholder 4">
@@ -7701,7 +7806,7 @@
             </p:txBody>
           </p:sp>
         </mc:Choice>
-        <mc:Fallback>
+        <mc:Fallback xmlns="">
           <p:sp>
             <p:nvSpPr>
               <p:cNvPr id="5" name="Content Placeholder 4">
@@ -7832,31 +7937,6 @@
               <a:rPr lang="en-US" dirty="0"/>
               <a:t>Methods</a:t>
             </a:r>
-          </a:p>
-        </p:txBody>
-      </p:sp>
-      <p:sp>
-        <p:nvSpPr>
-          <p:cNvPr id="3" name="Text Placeholder 2">
-            <a:extLst>
-              <a:ext uri="{FF2B5EF4-FFF2-40B4-BE49-F238E27FC236}">
-                <a16:creationId xmlns:a16="http://schemas.microsoft.com/office/drawing/2014/main" id="{FBDD1D2D-E56E-46E2-9DEE-D508C1AC8F8F}"/>
-              </a:ext>
-            </a:extLst>
-          </p:cNvPr>
-          <p:cNvSpPr>
-            <a:spLocks noGrp="1"/>
-          </p:cNvSpPr>
-          <p:nvPr>
-            <p:ph type="body" idx="1"/>
-          </p:nvPr>
-        </p:nvSpPr>
-        <p:spPr/>
-        <p:txBody>
-          <a:bodyPr/>
-          <a:lstStyle/>
-          <a:p>
-            <a:endParaRPr lang="en-US"/>
           </a:p>
         </p:txBody>
       </p:sp>
